--- a/99.ppt/[Ch4-1. 비동기 서비스 소개] 1-1. 강의개요.pptx
+++ b/99.ppt/[Ch4-1. 비동기 서비스 소개] 1-1. 강의개요.pptx
@@ -256,7 +256,7 @@
   <p:extLst>
     <p:ext uri="{EFAFB233-063F-42B5-8137-9DF3F51BA10A}">
       <p15:sldGuideLst xmlns:p15="http://schemas.microsoft.com/office/powerpoint/2012/main">
-        <p15:guide id="1" orient="horz" pos="1665" userDrawn="1">
+        <p15:guide id="1" orient="horz" pos="1688" userDrawn="1">
           <p15:clr>
             <a:srgbClr val="A4A3A4"/>
           </p15:clr>
@@ -369,7 +369,7 @@
           <a:p>
             <a:fld id="{02062485-01EF-40A2-BB59-4561F75F4520}" type="datetimeFigureOut">
               <a:rPr lang="ko-KR" altLang="en-US" smtClean="0"/>
-              <a:t>2023-07-13</a:t>
+              <a:t>2023-07-14</a:t>
             </a:fld>
             <a:endParaRPr lang="ko-KR" altLang="en-US"/>
           </a:p>

--- a/99.ppt/[Ch4-1. 비동기 서비스 소개] 1-1. 강의개요.pptx
+++ b/99.ppt/[Ch4-1. 비동기 서비스 소개] 1-1. 강의개요.pptx
@@ -369,7 +369,7 @@
           <a:p>
             <a:fld id="{02062485-01EF-40A2-BB59-4561F75F4520}" type="datetimeFigureOut">
               <a:rPr lang="ko-KR" altLang="en-US" smtClean="0"/>
-              <a:t>2023-07-14</a:t>
+              <a:t>2023-07-17</a:t>
             </a:fld>
             <a:endParaRPr lang="ko-KR" altLang="en-US"/>
           </a:p>
@@ -1827,7 +1827,7 @@
             </a:pPr>
             <a:r>
               <a:rPr lang="ko-KR" altLang="en-US" dirty="0"/>
-              <a:t>난이도 높기로 유명한 결제 서비스를 함께 시스템 디자인 해보고 개인 </a:t>
+              <a:t>난이도 높기로 유명한 결제 서비스를 함께 디자인 해보고 개인 </a:t>
             </a:r>
             <a:r>
               <a:rPr lang="en-US" altLang="ko-KR" dirty="0"/>
@@ -1882,11 +1882,7 @@
             </a:r>
             <a:r>
               <a:rPr lang="ko-KR" altLang="en-US" dirty="0"/>
-              <a:t>라이프 사이클도 체험해 볼 </a:t>
-            </a:r>
-            <a:r>
-              <a:rPr lang="ko-KR" altLang="en-US" dirty="0" err="1"/>
-              <a:t>꺼고요</a:t>
+              <a:t>라이프 사이클도 체험해 보겠습니다</a:t>
             </a:r>
             <a:r>
               <a:rPr lang="en-US" altLang="ko-KR" dirty="0"/>
@@ -2259,7 +2255,7 @@
             </a:r>
             <a:r>
               <a:rPr lang="ko-KR" altLang="en-US" dirty="0"/>
-              <a:t> 판다면 하나씩만 골라도 </a:t>
+              <a:t> 판다면 하나만으로도 </a:t>
             </a:r>
             <a:r>
               <a:rPr lang="en-US" altLang="ko-KR" dirty="0"/>
@@ -2267,7 +2263,7 @@
             </a:r>
             <a:r>
               <a:rPr lang="ko-KR" altLang="en-US" dirty="0"/>
-              <a:t>시간 넘게 이야기 해 볼 수 있는 주제들입니다만</a:t>
+              <a:t>시간 넘게 이야기 해 볼 수 있는 기술들입니다만</a:t>
             </a:r>
             <a:endParaRPr lang="en-US" altLang="ko-KR" dirty="0"/>
           </a:p>
@@ -2311,15 +2307,7 @@
             </a:r>
             <a:r>
               <a:rPr lang="ko-KR" altLang="en-US" dirty="0"/>
-              <a:t>서비스 구현에 각 기술들이 어떻게 </a:t>
-            </a:r>
-            <a:r>
-              <a:rPr lang="ko-KR" altLang="en-US" dirty="0" err="1"/>
-              <a:t>쓰이는지만</a:t>
-            </a:r>
-            <a:r>
-              <a:rPr lang="ko-KR" altLang="en-US" dirty="0"/>
-              <a:t> 확인해 볼 </a:t>
+              <a:t>서비스 구현에 각 기술들이 어떻게 쓰이는지를 중점적으로 확인해 볼 </a:t>
             </a:r>
             <a:r>
               <a:rPr lang="ko-KR" altLang="en-US" dirty="0" err="1"/>
@@ -2327,7 +2315,7 @@
             </a:r>
             <a:r>
               <a:rPr lang="ko-KR" altLang="en-US" dirty="0"/>
-              <a:t> 걱정은 하지 않으셔도 됩니다</a:t>
+              <a:t> 큰 걱정은 하지 않으셔도 됩니다</a:t>
             </a:r>
             <a:r>
               <a:rPr lang="en-US" altLang="ko-KR" dirty="0"/>
@@ -2980,63 +2968,9 @@
               <a:t>이번 기회에 한 번 사용해 보기로 하시죠</a:t>
             </a:r>
             <a:r>
-              <a:rPr lang="en-US" altLang="ko-KR" dirty="0"/>
+              <a:rPr lang="en-US" altLang="ko-KR"/>
               <a:t>.</a:t>
             </a:r>
-          </a:p>
-          <a:p>
-            <a:pPr marL="0" lvl="0" indent="0" algn="l" rtl="0">
-              <a:lnSpc>
-                <a:spcPct val="100000"/>
-              </a:lnSpc>
-              <a:spcBef>
-                <a:spcPts val="0"/>
-              </a:spcBef>
-              <a:spcAft>
-                <a:spcPts val="0"/>
-              </a:spcAft>
-              <a:buSzPts val="1400"/>
-              <a:buNone/>
-            </a:pPr>
-            <a:endParaRPr lang="en-US" altLang="ko-KR" dirty="0"/>
-          </a:p>
-          <a:p>
-            <a:pPr marL="0" lvl="0" indent="0" algn="l" rtl="0">
-              <a:lnSpc>
-                <a:spcPct val="100000"/>
-              </a:lnSpc>
-              <a:spcBef>
-                <a:spcPts val="0"/>
-              </a:spcBef>
-              <a:spcAft>
-                <a:spcPts val="0"/>
-              </a:spcAft>
-              <a:buSzPts val="1400"/>
-              <a:buNone/>
-            </a:pPr>
-            <a:r>
-              <a:rPr lang="ko-KR" altLang="en-US" dirty="0"/>
-              <a:t>막상 큰 차이도 없습니다</a:t>
-            </a:r>
-            <a:r>
-              <a:rPr lang="en-US" altLang="ko-KR" dirty="0"/>
-              <a:t>. ^-^</a:t>
-            </a:r>
-          </a:p>
-          <a:p>
-            <a:pPr marL="0" lvl="0" indent="0" algn="l" rtl="0">
-              <a:lnSpc>
-                <a:spcPct val="100000"/>
-              </a:lnSpc>
-              <a:spcBef>
-                <a:spcPts val="0"/>
-              </a:spcBef>
-              <a:spcAft>
-                <a:spcPts val="0"/>
-              </a:spcAft>
-              <a:buSzPts val="1400"/>
-              <a:buNone/>
-            </a:pPr>
             <a:endParaRPr lang="en-US" altLang="ko-KR" dirty="0"/>
           </a:p>
         </p:txBody>
@@ -25079,7 +25013,7 @@
                   <a:schemeClr val="lt1"/>
                 </a:solidFill>
               </a:rPr>
-              <a:t>성능검증 및 유의사항</a:t>
+              <a:t>성능검증</a:t>
             </a:r>
             <a:endParaRPr sz="500" b="0" i="0" u="none" strike="noStrike" cap="none" dirty="0">
               <a:solidFill>

--- a/99.ppt/[Ch4-1. 비동기 서비스 소개] 1-1. 강의개요.pptx
+++ b/99.ppt/[Ch4-1. 비동기 서비스 소개] 1-1. 강의개요.pptx
@@ -369,7 +369,7 @@
           <a:p>
             <a:fld id="{02062485-01EF-40A2-BB59-4561F75F4520}" type="datetimeFigureOut">
               <a:rPr lang="ko-KR" altLang="en-US" smtClean="0"/>
-              <a:t>2023-07-17</a:t>
+              <a:t>2023-07-18</a:t>
             </a:fld>
             <a:endParaRPr lang="ko-KR" altLang="en-US"/>
           </a:p>
@@ -1224,13 +1224,72 @@
             </a:pPr>
             <a:r>
               <a:rPr lang="ko-KR" altLang="en-US" dirty="0"/>
-              <a:t>세상에 변하지 않는 것은 없습니다</a:t>
+              <a:t>안녕하세요 수강생 여러분</a:t>
             </a:r>
             <a:r>
               <a:rPr lang="en-US" altLang="ko-KR" dirty="0"/>
               <a:t>. </a:t>
             </a:r>
             <a:r>
+              <a:rPr lang="ko-KR" altLang="en-US" dirty="0" err="1"/>
+              <a:t>앱마켓</a:t>
+            </a:r>
+            <a:r>
+              <a:rPr lang="ko-KR" altLang="en-US" dirty="0"/>
+              <a:t> 스토어 원스토어에서 </a:t>
+            </a:r>
+            <a:r>
+              <a:rPr lang="ko-KR" altLang="en-US" dirty="0" err="1"/>
+              <a:t>백앤드</a:t>
+            </a:r>
+            <a:r>
+              <a:rPr lang="ko-KR" altLang="en-US" dirty="0"/>
+              <a:t> 엔지니어로 근무중인 정화수라고 합니다</a:t>
+            </a:r>
+            <a:r>
+              <a:rPr lang="en-US" altLang="ko-KR" dirty="0"/>
+              <a:t>.</a:t>
+            </a:r>
+          </a:p>
+          <a:p>
+            <a:pPr marL="0" lvl="0" indent="0" algn="l" rtl="0">
+              <a:lnSpc>
+                <a:spcPct val="100000"/>
+              </a:lnSpc>
+              <a:spcBef>
+                <a:spcPts val="0"/>
+              </a:spcBef>
+              <a:spcAft>
+                <a:spcPts val="0"/>
+              </a:spcAft>
+              <a:buSzPts val="1400"/>
+              <a:buNone/>
+            </a:pPr>
+            <a:endParaRPr lang="en-US" altLang="ko-KR" dirty="0"/>
+          </a:p>
+          <a:p>
+            <a:pPr marL="0" lvl="0" indent="0" algn="l" rtl="0">
+              <a:lnSpc>
+                <a:spcPct val="100000"/>
+              </a:lnSpc>
+              <a:spcBef>
+                <a:spcPts val="0"/>
+              </a:spcBef>
+              <a:spcAft>
+                <a:spcPts val="0"/>
+              </a:spcAft>
+              <a:buSzPts val="1400"/>
+              <a:buNone/>
+            </a:pPr>
+            <a:r>
+              <a:rPr lang="ko-KR" altLang="en-US" dirty="0"/>
+              <a:t>세상에 변하지 않는 것은 없습니다</a:t>
+            </a:r>
+            <a:r>
+              <a:rPr lang="en-US" altLang="ko-KR" dirty="0"/>
+              <a:t>. </a:t>
+            </a:r>
+            <a:r>
               <a:rPr lang="ko-KR" altLang="en-US" dirty="0"/>
               <a:t>작년에는 맞았던 선택이 올해는 틀릴 수 있습니다</a:t>
             </a:r>
@@ -1240,7 +1299,7 @@
             </a:r>
             <a:r>
               <a:rPr lang="ko-KR" altLang="en-US" dirty="0"/>
-              <a:t>뭐든 절대적으로 옳은 것은 없지요</a:t>
+              <a:t>뭐든지 절대적으로 옳은 것은 없습니다</a:t>
             </a:r>
             <a:r>
               <a:rPr lang="en-US" altLang="ko-KR" dirty="0"/>
@@ -1764,7 +1823,7 @@
             </a:pPr>
             <a:r>
               <a:rPr lang="ko-KR" altLang="en-US" dirty="0"/>
-              <a:t>실무 과정에서는 현장 중심의 핵심 구현 역량 강화에 초점을 두었습니다</a:t>
+              <a:t>실무 과정에서는 현장 중심의 커리큘럼을 배치해 보았는데요</a:t>
             </a:r>
             <a:r>
               <a:rPr lang="en-US" altLang="ko-KR" dirty="0"/>
@@ -1795,13 +1854,63 @@
             </a:pPr>
             <a:r>
               <a:rPr lang="ko-KR" altLang="en-US" dirty="0"/>
-              <a:t>실무에 꼭 필요한 필수 컴포넌트를 개발해 </a:t>
+              <a:t>첫번째</a:t>
+            </a:r>
+            <a:r>
+              <a:rPr lang="en-US" altLang="ko-KR" dirty="0"/>
+              <a:t>. </a:t>
+            </a:r>
+            <a:r>
+              <a:rPr lang="ko-KR" altLang="en-US" dirty="0"/>
+              <a:t>실무에서 반드시 사용되는 핵심 </a:t>
             </a:r>
             <a:r>
               <a:rPr lang="ko-KR" altLang="en-US" dirty="0" err="1"/>
-              <a:t>볼꺼고요</a:t>
-            </a:r>
-            <a:endParaRPr lang="en-US" altLang="ko-KR" dirty="0"/>
+              <a:t>컴퍼넌트를</a:t>
+            </a:r>
+            <a:r>
+              <a:rPr lang="ko-KR" altLang="en-US" dirty="0"/>
+              <a:t> 개발해 볼 예정입니다</a:t>
+            </a:r>
+            <a:r>
+              <a:rPr lang="en-US" altLang="ko-KR" dirty="0"/>
+              <a:t>.</a:t>
+            </a:r>
+          </a:p>
+          <a:p>
+            <a:pPr marL="0" lvl="0" indent="0" algn="l" rtl="0">
+              <a:spcBef>
+                <a:spcPts val="0"/>
+              </a:spcBef>
+              <a:spcAft>
+                <a:spcPts val="0"/>
+              </a:spcAft>
+              <a:buNone/>
+            </a:pPr>
+            <a:r>
+              <a:rPr lang="ko-KR" altLang="en-US" dirty="0"/>
+              <a:t>어떤 </a:t>
+            </a:r>
+            <a:r>
+              <a:rPr lang="ko-KR" altLang="en-US" dirty="0" err="1"/>
+              <a:t>컴퍼넌트가</a:t>
+            </a:r>
+            <a:r>
+              <a:rPr lang="ko-KR" altLang="en-US" dirty="0"/>
+              <a:t> 왜 필요한지</a:t>
+            </a:r>
+            <a:r>
+              <a:rPr lang="en-US" altLang="ko-KR" dirty="0"/>
+              <a:t> </a:t>
+            </a:r>
+            <a:r>
+              <a:rPr lang="ko-KR" altLang="en-US" dirty="0"/>
+              <a:t>구체적인 이유를 말씀드리고 그 해결방안을 함께 모색해 보도록 하겠습니다</a:t>
+            </a:r>
+            <a:r>
+              <a:rPr lang="en-US" altLang="ko-KR" dirty="0"/>
+              <a:t>.</a:t>
+            </a:r>
           </a:p>
           <a:p>
             <a:pPr marL="0" lvl="0" indent="0" algn="l" rtl="0">
@@ -1827,6 +1936,14 @@
             </a:pPr>
             <a:r>
               <a:rPr lang="ko-KR" altLang="en-US" dirty="0"/>
+              <a:t>두번째로</a:t>
+            </a:r>
+            <a:r>
+              <a:rPr lang="en-US" altLang="ko-KR" dirty="0"/>
+              <a:t>, </a:t>
+            </a:r>
+            <a:r>
+              <a:rPr lang="ko-KR" altLang="en-US" dirty="0"/>
               <a:t>난이도 높기로 유명한 결제 서비스를 함께 디자인 해보고 개인 </a:t>
             </a:r>
             <a:r>
@@ -1836,6 +1953,44 @@
             <a:r>
               <a:rPr lang="ko-KR" altLang="en-US" dirty="0"/>
               <a:t>에서 할 수 있는 최대한의 구현을 진행해 볼 예정입니다</a:t>
+            </a:r>
+            <a:r>
+              <a:rPr lang="en-US" altLang="ko-KR" dirty="0"/>
+              <a:t>.</a:t>
+            </a:r>
+          </a:p>
+          <a:p>
+            <a:pPr marL="0" lvl="0" indent="0" algn="l" rtl="0">
+              <a:spcBef>
+                <a:spcPts val="0"/>
+              </a:spcBef>
+              <a:spcAft>
+                <a:spcPts val="0"/>
+              </a:spcAft>
+              <a:buNone/>
+            </a:pPr>
+            <a:r>
+              <a:rPr lang="ko-KR" altLang="en-US" dirty="0"/>
+              <a:t>도메인 지식에 집중하기보다는 관련 도메인에서 고민해왔던 고민과 그 해결방안을 공유드릴 예정입니다</a:t>
+            </a:r>
+            <a:r>
+              <a:rPr lang="en-US" altLang="ko-KR" dirty="0"/>
+              <a:t>.</a:t>
+            </a:r>
+          </a:p>
+          <a:p>
+            <a:pPr marL="0" lvl="0" indent="0" algn="l" rtl="0">
+              <a:spcBef>
+                <a:spcPts val="0"/>
+              </a:spcBef>
+              <a:spcAft>
+                <a:spcPts val="0"/>
+              </a:spcAft>
+              <a:buNone/>
+            </a:pPr>
+            <a:r>
+              <a:rPr lang="ko-KR" altLang="en-US" dirty="0"/>
+              <a:t>이를 통해 현재 근무하시는 분야의 문제 해결에 영감을 드릴 수 있었으면 하는 바람입니다</a:t>
             </a:r>
             <a:r>
               <a:rPr lang="en-US" altLang="ko-KR" dirty="0"/>
@@ -1866,12 +2021,31 @@
             </a:pPr>
             <a:r>
               <a:rPr lang="ko-KR" altLang="en-US" dirty="0"/>
-              <a:t>그리고 현업에서 늘 발생하는 기능확장 시나리오를 준비했습니다</a:t>
+              <a:t>세번째는</a:t>
             </a:r>
             <a:r>
               <a:rPr lang="en-US" altLang="ko-KR" dirty="0"/>
-              <a:t>. </a:t>
-            </a:r>
+              <a:t>, </a:t>
+            </a:r>
+            <a:r>
+              <a:rPr lang="ko-KR" altLang="en-US" dirty="0"/>
+              <a:t>현업에서 늘 발생하는 기능확장 시나리오를 준비했습니다</a:t>
+            </a:r>
+            <a:r>
+              <a:rPr lang="en-US" altLang="ko-KR" dirty="0"/>
+              <a:t>.</a:t>
+            </a:r>
+          </a:p>
+          <a:p>
+            <a:pPr marL="0" lvl="0" indent="0" algn="l" rtl="0">
+              <a:spcBef>
+                <a:spcPts val="0"/>
+              </a:spcBef>
+              <a:spcAft>
+                <a:spcPts val="0"/>
+              </a:spcAft>
+              <a:buNone/>
+            </a:pPr>
             <a:r>
               <a:rPr lang="ko-KR" altLang="en-US" dirty="0"/>
               <a:t>이를 통해 성능 향상 기법도 학습하고 </a:t>
@@ -1882,7 +2056,7 @@
             </a:r>
             <a:r>
               <a:rPr lang="ko-KR" altLang="en-US" dirty="0"/>
-              <a:t>라이프 사이클도 체험해 보겠습니다</a:t>
+              <a:t>라이프 사이클도 체험해 보는 시간을 갖겠습니다</a:t>
             </a:r>
             <a:r>
               <a:rPr lang="en-US" altLang="ko-KR" dirty="0"/>
@@ -1921,7 +2095,7 @@
             </a:r>
             <a:r>
               <a:rPr lang="ko-KR" altLang="en-US" dirty="0"/>
-              <a:t>다른 선택지는 없었는지 진지하게 고민해 보는 시간을 갖도록 하겠습니다</a:t>
+              <a:t>다른 선택지는 없었는지 진지하게 고민해 보도록 하겠습니다</a:t>
             </a:r>
             <a:r>
               <a:rPr lang="en-US" altLang="ko-KR" dirty="0"/>
@@ -2255,7 +2429,7 @@
             </a:r>
             <a:r>
               <a:rPr lang="ko-KR" altLang="en-US" dirty="0"/>
-              <a:t> 판다면 하나만으로도 </a:t>
+              <a:t> 들어간다면 하나의 주제만으로도 </a:t>
             </a:r>
             <a:r>
               <a:rPr lang="en-US" altLang="ko-KR" dirty="0"/>
@@ -2307,15 +2481,46 @@
             </a:r>
             <a:r>
               <a:rPr lang="ko-KR" altLang="en-US" dirty="0"/>
-              <a:t>서비스 구현에 각 기술들이 어떻게 쓰이는지를 중점적으로 확인해 볼 </a:t>
-            </a:r>
-            <a:r>
-              <a:rPr lang="ko-KR" altLang="en-US" dirty="0" err="1"/>
-              <a:t>예정이오니</a:t>
-            </a:r>
+              <a:t>서비스 구현에 각 기술들이 어떻게 쓰이는지 연결고리 위주로 살펴볼 예정입니다</a:t>
+            </a:r>
+            <a:r>
+              <a:rPr lang="en-US" altLang="ko-KR" dirty="0"/>
+              <a:t>.</a:t>
+            </a:r>
+          </a:p>
+          <a:p>
+            <a:pPr marL="0" lvl="0" indent="0" algn="l" rtl="0">
+              <a:lnSpc>
+                <a:spcPct val="100000"/>
+              </a:lnSpc>
+              <a:spcBef>
+                <a:spcPts val="0"/>
+              </a:spcBef>
+              <a:spcAft>
+                <a:spcPts val="0"/>
+              </a:spcAft>
+              <a:buSzPts val="1400"/>
+              <a:buNone/>
+            </a:pPr>
+            <a:endParaRPr lang="en-US" altLang="ko-KR" dirty="0"/>
+          </a:p>
+          <a:p>
+            <a:pPr marL="0" lvl="0" indent="0" algn="l" rtl="0">
+              <a:lnSpc>
+                <a:spcPct val="100000"/>
+              </a:lnSpc>
+              <a:spcBef>
+                <a:spcPts val="0"/>
+              </a:spcBef>
+              <a:spcAft>
+                <a:spcPts val="0"/>
+              </a:spcAft>
+              <a:buSzPts val="1400"/>
+              <a:buNone/>
+            </a:pPr>
             <a:r>
               <a:rPr lang="ko-KR" altLang="en-US" dirty="0"/>
-              <a:t> 큰 걱정은 하지 않으셔도 됩니다</a:t>
+              <a:t>분량 자체가 많지는 않으니 큰 걱정은 하지 않으셔도 됩니다</a:t>
             </a:r>
             <a:r>
               <a:rPr lang="en-US" altLang="ko-KR" dirty="0"/>
@@ -2485,60 +2690,107 @@
             </a:r>
           </a:p>
           <a:p>
-            <a:pPr marL="0" lvl="0" indent="0" algn="l" rtl="0">
-              <a:lnSpc>
-                <a:spcPct val="100000"/>
-              </a:lnSpc>
-              <a:spcBef>
-                <a:spcPts val="0"/>
-              </a:spcBef>
-              <a:spcAft>
-                <a:spcPts val="0"/>
-              </a:spcAft>
+            <a:pPr marL="0" marR="0" lvl="0" indent="0" algn="l" defTabSz="914400" rtl="0" eaLnBrk="1" fontAlgn="auto" latinLnBrk="0" hangingPunct="1">
+              <a:lnSpc>
+                <a:spcPct val="100000"/>
+              </a:lnSpc>
+              <a:spcBef>
+                <a:spcPts val="0"/>
+              </a:spcBef>
+              <a:spcAft>
+                <a:spcPts val="0"/>
+              </a:spcAft>
+              <a:buClr>
+                <a:srgbClr val="000000"/>
+              </a:buClr>
               <a:buSzPts val="1400"/>
-              <a:buNone/>
+              <a:buFont typeface="Arial"/>
+              <a:buNone/>
+              <a:tabLst/>
+              <a:defRPr/>
             </a:pPr>
-            <a:endParaRPr lang="en-US" dirty="0"/>
+            <a:r>
+              <a:rPr lang="ko-KR" altLang="en-US" dirty="0"/>
+              <a:t>모두 </a:t>
+            </a:r>
+            <a:r>
+              <a:rPr lang="ko-KR" altLang="en-US" dirty="0" err="1"/>
+              <a:t>인스톨러</a:t>
+            </a:r>
+            <a:r>
+              <a:rPr lang="ko-KR" altLang="en-US" dirty="0"/>
+              <a:t> 형태를 지원하니</a:t>
+            </a:r>
+            <a:r>
+              <a:rPr lang="en-US" altLang="ko-KR" dirty="0"/>
+              <a:t>, </a:t>
+            </a:r>
+            <a:r>
+              <a:rPr lang="ko-KR" altLang="en-US" dirty="0"/>
+              <a:t>편하게 다운로드 받아 설치버튼 클릭만 해주시면 됩니다</a:t>
+            </a:r>
+            <a:r>
+              <a:rPr lang="en-US" altLang="ko-KR" dirty="0"/>
+              <a:t>.</a:t>
+            </a:r>
           </a:p>
           <a:p>
-            <a:pPr marL="0" marR="0" lvl="0" indent="0" algn="l" defTabSz="914400" rtl="0" eaLnBrk="1" fontAlgn="auto" latinLnBrk="0" hangingPunct="1">
-              <a:lnSpc>
-                <a:spcPct val="100000"/>
-              </a:lnSpc>
-              <a:spcBef>
-                <a:spcPts val="0"/>
-              </a:spcBef>
-              <a:spcAft>
-                <a:spcPts val="0"/>
-              </a:spcAft>
-              <a:buClr>
-                <a:srgbClr val="000000"/>
-              </a:buClr>
+            <a:pPr marL="0" lvl="0" indent="0" algn="l" rtl="0">
+              <a:lnSpc>
+                <a:spcPct val="100000"/>
+              </a:lnSpc>
+              <a:spcBef>
+                <a:spcPts val="0"/>
+              </a:spcBef>
+              <a:spcAft>
+                <a:spcPts val="0"/>
+              </a:spcAft>
               <a:buSzPts val="1400"/>
-              <a:buFont typeface="Arial"/>
-              <a:buNone/>
-              <a:tabLst/>
-              <a:defRPr/>
+              <a:buNone/>
             </a:pPr>
             <a:r>
+              <a:rPr lang="en-US" dirty="0"/>
+              <a:t>Docker</a:t>
+            </a:r>
+            <a:r>
               <a:rPr lang="ko-KR" altLang="en-US" dirty="0"/>
-              <a:t>모두 </a:t>
+              <a:t>는 설치와 함께 </a:t>
+            </a:r>
+            <a:r>
+              <a:rPr lang="en-US" altLang="ko-KR" dirty="0"/>
+              <a:t>docker hub </a:t>
+            </a:r>
+            <a:r>
+              <a:rPr lang="ko-KR" altLang="en-US" dirty="0"/>
+              <a:t>가입도 </a:t>
             </a:r>
             <a:r>
               <a:rPr lang="ko-KR" altLang="en-US" dirty="0" err="1"/>
-              <a:t>인스톨러</a:t>
+              <a:t>해주셔야</a:t>
+            </a:r>
+            <a:r>
+              <a:rPr lang="en-US" altLang="ko-KR" dirty="0"/>
+              <a:t>,</a:t>
             </a:r>
             <a:r>
               <a:rPr lang="ko-KR" altLang="en-US" dirty="0"/>
-              <a:t> 형태를 지원하니</a:t>
-            </a:r>
-            <a:r>
-              <a:rPr lang="en-US" altLang="ko-KR" dirty="0"/>
-              <a:t>, </a:t>
+              <a:t> 실습에 필요한 서버 이미지들을 자동으로 </a:t>
+            </a:r>
+            <a:r>
+              <a:rPr lang="ko-KR" altLang="en-US" dirty="0" err="1"/>
+              <a:t>내려받아</a:t>
             </a:r>
             <a:r>
               <a:rPr lang="ko-KR" altLang="en-US" dirty="0"/>
-              <a:t>편하게 다운로드 받아 설치버튼 클릭만 해주시면 됩니다</a:t>
+              <a:t> </a:t>
+            </a:r>
+            <a:r>
+              <a:rPr lang="ko-KR" altLang="en-US" dirty="0" err="1"/>
+              <a:t>구동시킬</a:t>
+            </a:r>
+            <a:r>
+              <a:rPr lang="ko-KR" altLang="en-US" dirty="0"/>
+              <a:t> 수 있습니다</a:t>
             </a:r>
             <a:r>
               <a:rPr lang="en-US" altLang="ko-KR" dirty="0"/>
@@ -2577,47 +2829,19 @@
             </a:pPr>
             <a:r>
               <a:rPr lang="en-US" dirty="0"/>
-              <a:t>Docker</a:t>
+              <a:t>JDK</a:t>
             </a:r>
             <a:r>
               <a:rPr lang="ko-KR" altLang="en-US" dirty="0"/>
-              <a:t>는 설치와 함께 </a:t>
+              <a:t>는 별도 설치하실 필요 없고</a:t>
             </a:r>
             <a:r>
               <a:rPr lang="en-US" altLang="ko-KR" dirty="0"/>
-              <a:t>docker hub </a:t>
+              <a:t>, IntelliJ </a:t>
             </a:r>
             <a:r>
               <a:rPr lang="ko-KR" altLang="en-US" dirty="0"/>
-              <a:t>가입도 </a:t>
-            </a:r>
-            <a:r>
-              <a:rPr lang="ko-KR" altLang="en-US" dirty="0" err="1"/>
-              <a:t>해주셔야</a:t>
-            </a:r>
-            <a:r>
-              <a:rPr lang="en-US" altLang="ko-KR" dirty="0"/>
-              <a:t>,</a:t>
-            </a:r>
-            <a:r>
-              <a:rPr lang="ko-KR" altLang="en-US" dirty="0"/>
-              <a:t> 실습에 필요한 서버 이미지들을 자동으로 </a:t>
-            </a:r>
-            <a:r>
-              <a:rPr lang="ko-KR" altLang="en-US" dirty="0" err="1"/>
-              <a:t>내려받아</a:t>
-            </a:r>
-            <a:r>
-              <a:rPr lang="ko-KR" altLang="en-US" dirty="0"/>
-              <a:t> </a:t>
-            </a:r>
-            <a:r>
-              <a:rPr lang="ko-KR" altLang="en-US" dirty="0" err="1"/>
-              <a:t>구동시킬</a:t>
-            </a:r>
-            <a:r>
-              <a:rPr lang="ko-KR" altLang="en-US" dirty="0"/>
-              <a:t> 수 있습니다</a:t>
+              <a:t>안에서 간단하게 구성할 예정입니다</a:t>
             </a:r>
             <a:r>
               <a:rPr lang="en-US" altLang="ko-KR" dirty="0"/>
@@ -2638,73 +2862,34 @@
               <a:buSzPts val="1400"/>
               <a:buNone/>
             </a:pPr>
-            <a:endParaRPr lang="en-US" dirty="0"/>
-          </a:p>
-          <a:p>
-            <a:pPr marL="0" lvl="0" indent="0" algn="l" rtl="0">
-              <a:lnSpc>
-                <a:spcPct val="100000"/>
-              </a:lnSpc>
-              <a:spcBef>
-                <a:spcPts val="0"/>
-              </a:spcBef>
-              <a:spcAft>
-                <a:spcPts val="0"/>
-              </a:spcAft>
-              <a:buSzPts val="1400"/>
-              <a:buNone/>
-            </a:pPr>
-            <a:endParaRPr lang="en-US" dirty="0"/>
-          </a:p>
-          <a:p>
-            <a:pPr marL="0" lvl="0" indent="0" algn="l" rtl="0">
-              <a:lnSpc>
-                <a:spcPct val="100000"/>
-              </a:lnSpc>
-              <a:spcBef>
-                <a:spcPts val="0"/>
-              </a:spcBef>
-              <a:spcAft>
-                <a:spcPts val="0"/>
-              </a:spcAft>
-              <a:buSzPts val="1400"/>
-              <a:buNone/>
-            </a:pPr>
-            <a:r>
-              <a:rPr lang="en-US" dirty="0"/>
-              <a:t>JDK</a:t>
+            <a:r>
+              <a:rPr lang="en-US" altLang="ko-KR" dirty="0"/>
+              <a:t>JDK 17</a:t>
             </a:r>
             <a:r>
               <a:rPr lang="ko-KR" altLang="en-US" dirty="0"/>
-              <a:t>는 별도 설치하실 필요 없고</a:t>
+              <a:t>은 </a:t>
+            </a:r>
+            <a:r>
+              <a:rPr lang="ko-KR" altLang="en-US" dirty="0" err="1"/>
+              <a:t>백엔드에서</a:t>
+            </a:r>
+            <a:r>
+              <a:rPr lang="ko-KR" altLang="en-US" dirty="0"/>
+              <a:t> 너무 빠른 것 아니야 </a:t>
             </a:r>
             <a:r>
               <a:rPr lang="en-US" altLang="ko-KR" dirty="0"/>
-              <a:t>, IntelliJ </a:t>
+              <a:t>? </a:t>
             </a:r>
             <a:r>
               <a:rPr lang="ko-KR" altLang="en-US" dirty="0"/>
-              <a:t>안에서 간단하게 구성할 예정입니다</a:t>
-            </a:r>
-            <a:r>
-              <a:rPr lang="en-US" altLang="ko-KR" dirty="0"/>
-              <a:t>.</a:t>
-            </a:r>
-          </a:p>
-          <a:p>
-            <a:pPr marL="0" lvl="0" indent="0" algn="l" rtl="0">
-              <a:lnSpc>
-                <a:spcPct val="100000"/>
-              </a:lnSpc>
-              <a:spcBef>
-                <a:spcPts val="0"/>
-              </a:spcBef>
-              <a:spcAft>
-                <a:spcPts val="0"/>
-              </a:spcAft>
-              <a:buSzPts val="1400"/>
-              <a:buNone/>
-            </a:pPr>
+              <a:t>라고 하실 분도 </a:t>
+            </a:r>
+            <a:r>
+              <a:rPr lang="ko-KR" altLang="en-US" dirty="0" err="1"/>
+              <a:t>있으실텐데</a:t>
+            </a:r>
             <a:endParaRPr lang="en-US" altLang="ko-KR" dirty="0"/>
           </a:p>
           <a:p>
@@ -2722,32 +2907,71 @@
               <a:buNone/>
             </a:pPr>
             <a:r>
+              <a:rPr lang="ko-KR" altLang="en-US" dirty="0"/>
+              <a:t>스프링 </a:t>
+            </a:r>
+            <a:r>
               <a:rPr lang="en-US" altLang="ko-KR" dirty="0"/>
-              <a:t>JDK 17</a:t>
+              <a:t>3.0</a:t>
             </a:r>
             <a:r>
               <a:rPr lang="ko-KR" altLang="en-US" dirty="0"/>
               <a:t>은 </a:t>
             </a:r>
             <a:r>
+              <a:rPr lang="en-US" altLang="ko-KR" dirty="0"/>
+              <a:t>JDK 17 </a:t>
+            </a:r>
+            <a:r>
+              <a:rPr lang="ko-KR" altLang="en-US" dirty="0"/>
+              <a:t>이상에서만 구동됩니다</a:t>
+            </a:r>
+            <a:r>
+              <a:rPr lang="en-US" altLang="ko-KR" dirty="0"/>
+              <a:t>.</a:t>
+            </a:r>
+          </a:p>
+          <a:p>
+            <a:pPr marL="0" lvl="0" indent="0" algn="l" rtl="0">
+              <a:lnSpc>
+                <a:spcPct val="100000"/>
+              </a:lnSpc>
+              <a:spcBef>
+                <a:spcPts val="0"/>
+              </a:spcBef>
+              <a:spcAft>
+                <a:spcPts val="0"/>
+              </a:spcAft>
+              <a:buSzPts val="1400"/>
+              <a:buNone/>
+            </a:pPr>
+            <a:r>
+              <a:rPr lang="ko-KR" altLang="en-US" dirty="0"/>
+              <a:t>특히 신규 </a:t>
+            </a:r>
+            <a:r>
               <a:rPr lang="ko-KR" altLang="en-US" dirty="0" err="1"/>
-              <a:t>백엔드에서</a:t>
+              <a:t>가비지</a:t>
             </a:r>
             <a:r>
               <a:rPr lang="ko-KR" altLang="en-US" dirty="0"/>
-              <a:t> 너무 빠른 것 아니야 </a:t>
+              <a:t> </a:t>
+            </a:r>
+            <a:r>
+              <a:rPr lang="ko-KR" altLang="en-US" dirty="0" err="1"/>
+              <a:t>콜렉터인</a:t>
+            </a:r>
+            <a:r>
+              <a:rPr lang="ko-KR" altLang="en-US" dirty="0"/>
+              <a:t> </a:t>
             </a:r>
             <a:r>
               <a:rPr lang="en-US" altLang="ko-KR" dirty="0"/>
-              <a:t>? </a:t>
+              <a:t>ZGC </a:t>
             </a:r>
             <a:r>
               <a:rPr lang="ko-KR" altLang="en-US" dirty="0"/>
-              <a:t>라고 하실 분도 </a:t>
-            </a:r>
-            <a:r>
-              <a:rPr lang="ko-KR" altLang="en-US" dirty="0" err="1"/>
-              <a:t>있으실텐데</a:t>
+              <a:t>성능이 대단한데</a:t>
             </a:r>
             <a:endParaRPr lang="en-US" altLang="ko-KR" dirty="0"/>
           </a:p>
@@ -2765,7 +2989,42 @@
               <a:buSzPts val="1400"/>
               <a:buNone/>
             </a:pPr>
-            <a:endParaRPr lang="en-US" altLang="ko-KR" dirty="0"/>
+            <a:r>
+              <a:rPr lang="en-US" altLang="ko-KR" dirty="0"/>
+              <a:t>Stop the world </a:t>
+            </a:r>
+            <a:r>
+              <a:rPr lang="ko-KR" altLang="en-US" dirty="0"/>
+              <a:t>현상이 </a:t>
+            </a:r>
+            <a:r>
+              <a:rPr lang="en-US" altLang="ko-KR" dirty="0"/>
+              <a:t>thread </a:t>
+            </a:r>
+            <a:r>
+              <a:rPr lang="ko-KR" altLang="en-US" dirty="0"/>
+              <a:t>별로 일어나며</a:t>
+            </a:r>
+            <a:r>
+              <a:rPr lang="en-US" altLang="ko-KR" dirty="0"/>
+              <a:t>, </a:t>
+            </a:r>
+            <a:r>
+              <a:rPr lang="ko-KR" altLang="en-US" dirty="0"/>
+              <a:t>처리시간이 </a:t>
+            </a:r>
+            <a:r>
+              <a:rPr lang="en-US" altLang="ko-KR" dirty="0"/>
+              <a:t>10ms </a:t>
+            </a:r>
+            <a:r>
+              <a:rPr lang="ko-KR" altLang="en-US" dirty="0"/>
+              <a:t>밖에 걸리지 않는다는 점이 대단히 매력적입니다</a:t>
+            </a:r>
+            <a:r>
+              <a:rPr lang="en-US" altLang="ko-KR" dirty="0"/>
+              <a:t>.</a:t>
+            </a:r>
           </a:p>
           <a:p>
             <a:pPr marL="0" lvl="0" indent="0" algn="l" rtl="0">
@@ -2782,196 +3041,17 @@
               <a:buNone/>
             </a:pPr>
             <a:r>
+              <a:rPr lang="ko-KR" altLang="en-US"/>
+              <a:t>이번 </a:t>
+            </a:r>
+            <a:r>
               <a:rPr lang="ko-KR" altLang="en-US" dirty="0"/>
-              <a:t>스프링 </a:t>
-            </a:r>
-            <a:r>
-              <a:rPr lang="en-US" altLang="ko-KR" dirty="0"/>
-              <a:t>3.0</a:t>
-            </a:r>
-            <a:r>
-              <a:rPr lang="ko-KR" altLang="en-US" dirty="0"/>
-              <a:t>은 </a:t>
-            </a:r>
-            <a:r>
-              <a:rPr lang="en-US" altLang="ko-KR" dirty="0"/>
-              <a:t>JDK 17 </a:t>
-            </a:r>
-            <a:r>
-              <a:rPr lang="ko-KR" altLang="en-US" dirty="0"/>
-              <a:t>이상에서만 구동됩니다</a:t>
+              <a:t>기회에 한 번 사용해 보기로 하시죠</a:t>
             </a:r>
             <a:r>
               <a:rPr lang="en-US" altLang="ko-KR" dirty="0"/>
               <a:t>.</a:t>
             </a:r>
-          </a:p>
-          <a:p>
-            <a:pPr marL="0" lvl="0" indent="0" algn="l" rtl="0">
-              <a:lnSpc>
-                <a:spcPct val="100000"/>
-              </a:lnSpc>
-              <a:spcBef>
-                <a:spcPts val="0"/>
-              </a:spcBef>
-              <a:spcAft>
-                <a:spcPts val="0"/>
-              </a:spcAft>
-              <a:buSzPts val="1400"/>
-              <a:buNone/>
-            </a:pPr>
-            <a:endParaRPr lang="en-US" altLang="ko-KR" dirty="0"/>
-          </a:p>
-          <a:p>
-            <a:pPr marL="0" lvl="0" indent="0" algn="l" rtl="0">
-              <a:lnSpc>
-                <a:spcPct val="100000"/>
-              </a:lnSpc>
-              <a:spcBef>
-                <a:spcPts val="0"/>
-              </a:spcBef>
-              <a:spcAft>
-                <a:spcPts val="0"/>
-              </a:spcAft>
-              <a:buSzPts val="1400"/>
-              <a:buNone/>
-            </a:pPr>
-            <a:r>
-              <a:rPr lang="ko-KR" altLang="en-US" dirty="0"/>
-              <a:t>특히 신규 </a:t>
-            </a:r>
-            <a:r>
-              <a:rPr lang="ko-KR" altLang="en-US" dirty="0" err="1"/>
-              <a:t>가비지</a:t>
-            </a:r>
-            <a:r>
-              <a:rPr lang="ko-KR" altLang="en-US" dirty="0"/>
-              <a:t> </a:t>
-            </a:r>
-            <a:r>
-              <a:rPr lang="ko-KR" altLang="en-US" dirty="0" err="1"/>
-              <a:t>콜렉터인</a:t>
-            </a:r>
-            <a:r>
-              <a:rPr lang="ko-KR" altLang="en-US" dirty="0"/>
-              <a:t> </a:t>
-            </a:r>
-            <a:r>
-              <a:rPr lang="en-US" altLang="ko-KR" dirty="0"/>
-              <a:t>ZGC </a:t>
-            </a:r>
-            <a:r>
-              <a:rPr lang="ko-KR" altLang="en-US" dirty="0"/>
-              <a:t>성능이 대단한데</a:t>
-            </a:r>
-            <a:endParaRPr lang="en-US" altLang="ko-KR" dirty="0"/>
-          </a:p>
-          <a:p>
-            <a:pPr marL="0" lvl="0" indent="0" algn="l" rtl="0">
-              <a:lnSpc>
-                <a:spcPct val="100000"/>
-              </a:lnSpc>
-              <a:spcBef>
-                <a:spcPts val="0"/>
-              </a:spcBef>
-              <a:spcAft>
-                <a:spcPts val="0"/>
-              </a:spcAft>
-              <a:buSzPts val="1400"/>
-              <a:buNone/>
-            </a:pPr>
-            <a:endParaRPr lang="en-US" altLang="ko-KR" dirty="0"/>
-          </a:p>
-          <a:p>
-            <a:pPr marL="0" lvl="0" indent="0" algn="l" rtl="0">
-              <a:lnSpc>
-                <a:spcPct val="100000"/>
-              </a:lnSpc>
-              <a:spcBef>
-                <a:spcPts val="0"/>
-              </a:spcBef>
-              <a:spcAft>
-                <a:spcPts val="0"/>
-              </a:spcAft>
-              <a:buSzPts val="1400"/>
-              <a:buNone/>
-            </a:pPr>
-            <a:r>
-              <a:rPr lang="en-US" altLang="ko-KR" dirty="0"/>
-              <a:t>Stop the world </a:t>
-            </a:r>
-            <a:r>
-              <a:rPr lang="ko-KR" altLang="en-US" dirty="0"/>
-              <a:t>현상이 </a:t>
-            </a:r>
-            <a:r>
-              <a:rPr lang="en-US" altLang="ko-KR" dirty="0"/>
-              <a:t>thread </a:t>
-            </a:r>
-            <a:r>
-              <a:rPr lang="ko-KR" altLang="en-US" dirty="0"/>
-              <a:t>별로 일어나며</a:t>
-            </a:r>
-            <a:r>
-              <a:rPr lang="en-US" altLang="ko-KR" dirty="0"/>
-              <a:t>, </a:t>
-            </a:r>
-            <a:r>
-              <a:rPr lang="ko-KR" altLang="en-US" dirty="0"/>
-              <a:t>처리시간이 </a:t>
-            </a:r>
-            <a:r>
-              <a:rPr lang="en-US" altLang="ko-KR" dirty="0"/>
-              <a:t>10ms </a:t>
-            </a:r>
-            <a:r>
-              <a:rPr lang="ko-KR" altLang="en-US" dirty="0"/>
-              <a:t>밖에 걸리지 않는다는 점이 대단히 매력적입니다</a:t>
-            </a:r>
-            <a:r>
-              <a:rPr lang="en-US" altLang="ko-KR" dirty="0"/>
-              <a:t>.</a:t>
-            </a:r>
-          </a:p>
-          <a:p>
-            <a:pPr marL="0" lvl="0" indent="0" algn="l" rtl="0">
-              <a:lnSpc>
-                <a:spcPct val="100000"/>
-              </a:lnSpc>
-              <a:spcBef>
-                <a:spcPts val="0"/>
-              </a:spcBef>
-              <a:spcAft>
-                <a:spcPts val="0"/>
-              </a:spcAft>
-              <a:buSzPts val="1400"/>
-              <a:buNone/>
-            </a:pPr>
-            <a:endParaRPr lang="en-US" altLang="ko-KR" dirty="0"/>
-          </a:p>
-          <a:p>
-            <a:pPr marL="0" lvl="0" indent="0" algn="l" rtl="0">
-              <a:lnSpc>
-                <a:spcPct val="100000"/>
-              </a:lnSpc>
-              <a:spcBef>
-                <a:spcPts val="0"/>
-              </a:spcBef>
-              <a:spcAft>
-                <a:spcPts val="0"/>
-              </a:spcAft>
-              <a:buSzPts val="1400"/>
-              <a:buNone/>
-            </a:pPr>
-            <a:r>
-              <a:rPr lang="ko-KR" altLang="en-US" dirty="0"/>
-              <a:t>이번 기회에 한 번 사용해 보기로 하시죠</a:t>
-            </a:r>
-            <a:r>
-              <a:rPr lang="en-US" altLang="ko-KR"/>
-              <a:t>.</a:t>
-            </a:r>
-            <a:endParaRPr lang="en-US" altLang="ko-KR" dirty="0"/>
           </a:p>
         </p:txBody>
       </p:sp>

--- a/99.ppt/[Ch4-1. 비동기 서비스 소개] 1-1. 강의개요.pptx
+++ b/99.ppt/[Ch4-1. 비동기 서비스 소개] 1-1. 강의개요.pptx
@@ -369,7 +369,7 @@
           <a:p>
             <a:fld id="{02062485-01EF-40A2-BB59-4561F75F4520}" type="datetimeFigureOut">
               <a:rPr lang="ko-KR" altLang="en-US" smtClean="0"/>
-              <a:t>2023-07-18</a:t>
+              <a:t>2023-07-20</a:t>
             </a:fld>
             <a:endParaRPr lang="ko-KR" altLang="en-US"/>
           </a:p>
@@ -1905,7 +1905,19 @@
             </a:r>
             <a:r>
               <a:rPr lang="ko-KR" altLang="en-US" dirty="0"/>
-              <a:t>구체적인 이유를 말씀드리고 그 해결방안을 함께 모색해 보도록 하겠습니다</a:t>
+              <a:t>구체적인 이유를 말씀드리고 </a:t>
+            </a:r>
+            <a:r>
+              <a:rPr lang="en-US" altLang="ko-KR" dirty="0" err="1"/>
+              <a:t>Webflux</a:t>
+            </a:r>
+            <a:r>
+              <a:rPr lang="en-US" altLang="ko-KR" dirty="0"/>
+              <a:t> </a:t>
+            </a:r>
+            <a:r>
+              <a:rPr lang="ko-KR" altLang="en-US" dirty="0"/>
+              <a:t>에서의 구현방안을 함께 모색해 보도록 하겠습니다</a:t>
             </a:r>
             <a:r>
               <a:rPr lang="en-US" altLang="ko-KR" dirty="0"/>
@@ -1971,7 +1983,7 @@
             </a:pPr>
             <a:r>
               <a:rPr lang="ko-KR" altLang="en-US" dirty="0"/>
-              <a:t>도메인 지식에 집중하기보다는 관련 도메인에서 고민해왔던 고민과 그 해결방안을 공유드릴 예정입니다</a:t>
+              <a:t>도메인 지식에 집중하기보다는 관련 도메인에서 고민해왔던 이슈와 그 해결방안을 공유드릴 예정입니다</a:t>
             </a:r>
             <a:r>
               <a:rPr lang="en-US" altLang="ko-KR" dirty="0"/>
@@ -1990,7 +2002,11 @@
             </a:pPr>
             <a:r>
               <a:rPr lang="ko-KR" altLang="en-US" dirty="0"/>
-              <a:t>이를 통해 현재 근무하시는 분야의 문제 해결에 영감을 드릴 수 있었으면 하는 바람입니다</a:t>
+              <a:t>이를 통해 현재 근무하시는 곳에서 문제 해결에 영감을 드릴 수 있었으면 하는 </a:t>
+            </a:r>
+            <a:r>
+              <a:rPr lang="ko-KR" altLang="en-US" dirty="0" err="1"/>
+              <a:t>바램입니다</a:t>
             </a:r>
             <a:r>
               <a:rPr lang="en-US" altLang="ko-KR" dirty="0"/>
@@ -2473,15 +2489,7 @@
             </a:pPr>
             <a:r>
               <a:rPr lang="ko-KR" altLang="en-US" dirty="0"/>
-              <a:t>저희는 실용주의 관점에 입각하여</a:t>
-            </a:r>
-            <a:r>
-              <a:rPr lang="en-US" altLang="ko-KR" dirty="0"/>
-              <a:t>, </a:t>
-            </a:r>
-            <a:r>
-              <a:rPr lang="ko-KR" altLang="en-US" dirty="0"/>
-              <a:t>서비스 구현에 각 기술들이 어떻게 쓰이는지 연결고리 위주로 살펴볼 예정입니다</a:t>
+              <a:t>저희는 서비스 구현에 각 기술들이 어떻게 쓰이는지 연결고리 위주로 살펴볼 예정입니다</a:t>
             </a:r>
             <a:r>
               <a:rPr lang="en-US" altLang="ko-KR" dirty="0"/>
@@ -2520,7 +2528,7 @@
             </a:pPr>
             <a:r>
               <a:rPr lang="ko-KR" altLang="en-US" dirty="0"/>
-              <a:t>분량 자체가 많지는 않으니 큰 걱정은 하지 않으셔도 됩니다</a:t>
+              <a:t>분량 자체는 많지 않으니 큰 걱정은 하지 않으셔도 됩니다</a:t>
             </a:r>
             <a:r>
               <a:rPr lang="en-US" altLang="ko-KR" dirty="0"/>

--- a/99.ppt/[Ch4-1. 비동기 서비스 소개] 1-1. 강의개요.pptx
+++ b/99.ppt/[Ch4-1. 비동기 서비스 소개] 1-1. 강의개요.pptx
@@ -369,7 +369,7 @@
           <a:p>
             <a:fld id="{02062485-01EF-40A2-BB59-4561F75F4520}" type="datetimeFigureOut">
               <a:rPr lang="ko-KR" altLang="en-US" smtClean="0"/>
-              <a:t>2023-07-20</a:t>
+              <a:t>2023-08-10</a:t>
             </a:fld>
             <a:endParaRPr lang="ko-KR" altLang="en-US"/>
           </a:p>
@@ -996,7 +996,23 @@
               <a:buSzPts val="1400"/>
               <a:buNone/>
             </a:pPr>
-            <a:endParaRPr/>
+            <a:r>
+              <a:rPr lang="ko-KR" altLang="en-US" dirty="0"/>
+              <a:t>안녕하세요</a:t>
+            </a:r>
+            <a:r>
+              <a:rPr lang="en-US" altLang="ko-KR" dirty="0"/>
+              <a:t>. </a:t>
+            </a:r>
+            <a:r>
+              <a:rPr lang="ko-KR" altLang="en-US" dirty="0"/>
+              <a:t>비동기 기반 결제서비스 프로젝트를 진행하는 정화수라고 합니다</a:t>
+            </a:r>
+            <a:r>
+              <a:rPr lang="en-US" altLang="ko-KR" dirty="0"/>
+              <a:t>.</a:t>
+            </a:r>
+            <a:endParaRPr dirty="0"/>
           </a:p>
         </p:txBody>
       </p:sp>
@@ -1110,7 +1126,15 @@
               </a:spcAft>
               <a:buNone/>
             </a:pPr>
-            <a:endParaRPr/>
+            <a:r>
+              <a:rPr lang="ko-KR" altLang="en-US" dirty="0"/>
+              <a:t>강의 개요입니다</a:t>
+            </a:r>
+            <a:r>
+              <a:rPr lang="en-US" altLang="ko-KR" dirty="0"/>
+              <a:t>.</a:t>
+            </a:r>
+            <a:endParaRPr dirty="0"/>
           </a:p>
         </p:txBody>
       </p:sp>
@@ -1224,19 +1248,74 @@
             </a:pPr>
             <a:r>
               <a:rPr lang="ko-KR" altLang="en-US" dirty="0"/>
-              <a:t>안녕하세요 수강생 여러분</a:t>
+              <a:t>제 소개부터 먼저 </a:t>
+            </a:r>
+            <a:r>
+              <a:rPr lang="ko-KR" altLang="en-US" dirty="0" err="1"/>
+              <a:t>드릴께요</a:t>
             </a:r>
             <a:r>
               <a:rPr lang="en-US" altLang="ko-KR" dirty="0"/>
-              <a:t>. </a:t>
-            </a:r>
-            <a:r>
-              <a:rPr lang="ko-KR" altLang="en-US" dirty="0" err="1"/>
-              <a:t>앱마켓</a:t>
-            </a:r>
+              <a:t>.</a:t>
+            </a:r>
+          </a:p>
+          <a:p>
+            <a:pPr marL="0" lvl="0" indent="0" algn="l" rtl="0">
+              <a:lnSpc>
+                <a:spcPct val="100000"/>
+              </a:lnSpc>
+              <a:spcBef>
+                <a:spcPts val="0"/>
+              </a:spcBef>
+              <a:spcAft>
+                <a:spcPts val="0"/>
+              </a:spcAft>
+              <a:buSzPts val="1400"/>
+              <a:buNone/>
+            </a:pPr>
+            <a:endParaRPr lang="en-US" altLang="ko-KR" dirty="0"/>
+          </a:p>
+          <a:p>
+            <a:pPr marL="0" lvl="0" indent="0" algn="l" rtl="0">
+              <a:lnSpc>
+                <a:spcPct val="100000"/>
+              </a:lnSpc>
+              <a:spcBef>
+                <a:spcPts val="0"/>
+              </a:spcBef>
+              <a:spcAft>
+                <a:spcPts val="0"/>
+              </a:spcAft>
+              <a:buSzPts val="1400"/>
+              <a:buNone/>
+            </a:pPr>
             <a:r>
               <a:rPr lang="ko-KR" altLang="en-US" dirty="0"/>
-              <a:t> 스토어 원스토어에서 </a:t>
+              <a:t>저는 </a:t>
+            </a:r>
+            <a:r>
+              <a:rPr lang="en-US" altLang="ko-KR" dirty="0"/>
+              <a:t>LG CNS </a:t>
+            </a:r>
+            <a:r>
+              <a:rPr lang="ko-KR" altLang="en-US" dirty="0"/>
+              <a:t>와 </a:t>
+            </a:r>
+            <a:r>
+              <a:rPr lang="en-US" altLang="ko-KR" dirty="0"/>
+              <a:t>SK Planet </a:t>
+            </a:r>
+            <a:r>
+              <a:rPr lang="ko-KR" altLang="en-US" dirty="0"/>
+              <a:t>을 거쳐</a:t>
+            </a:r>
+            <a:r>
+              <a:rPr lang="en-US" altLang="ko-KR" dirty="0"/>
+              <a:t>, </a:t>
+            </a:r>
+            <a:r>
+              <a:rPr lang="ko-KR" altLang="en-US" dirty="0"/>
+              <a:t>현재는 원스토어에서 </a:t>
             </a:r>
             <a:r>
               <a:rPr lang="ko-KR" altLang="en-US" dirty="0" err="1"/>
@@ -1250,6 +1329,22 @@
               <a:rPr lang="en-US" altLang="ko-KR" dirty="0"/>
               <a:t>.</a:t>
             </a:r>
+          </a:p>
+          <a:p>
+            <a:pPr marL="0" lvl="0" indent="0" algn="l" rtl="0">
+              <a:lnSpc>
+                <a:spcPct val="100000"/>
+              </a:lnSpc>
+              <a:spcBef>
+                <a:spcPts val="0"/>
+              </a:spcBef>
+              <a:spcAft>
+                <a:spcPts val="0"/>
+              </a:spcAft>
+              <a:buSzPts val="1400"/>
+              <a:buNone/>
+            </a:pPr>
+            <a:endParaRPr lang="en-US" altLang="ko-KR" dirty="0"/>
           </a:p>
           <a:p>
             <a:pPr marL="0" lvl="0" indent="0" algn="l" rtl="0">
@@ -1616,9 +1711,12 @@
             </a:pPr>
             <a:r>
               <a:rPr lang="ko-KR" altLang="en-US" dirty="0"/>
-              <a:t>입문과 기본 과정에서는</a:t>
-            </a:r>
-            <a:endParaRPr lang="en-US" altLang="ko-KR" dirty="0"/>
+              <a:t>강의는 총 아홉 챕터로 구성되어 있습니다</a:t>
+            </a:r>
+            <a:r>
+              <a:rPr lang="en-US" altLang="ko-KR" dirty="0"/>
+              <a:t>.</a:t>
+            </a:r>
           </a:p>
           <a:p>
             <a:pPr marL="0" lvl="0" indent="0" algn="l" rtl="0">
@@ -1644,6 +1742,42 @@
             </a:pPr>
             <a:r>
               <a:rPr lang="ko-KR" altLang="en-US" dirty="0"/>
+              <a:t>입문과 기본 과정인 </a:t>
+            </a:r>
+            <a:r>
+              <a:rPr lang="en-US" altLang="ko-KR" dirty="0"/>
+              <a:t>5</a:t>
+            </a:r>
+            <a:r>
+              <a:rPr lang="ko-KR" altLang="en-US" dirty="0"/>
+              <a:t>챕터까지는</a:t>
+            </a:r>
+            <a:endParaRPr lang="en-US" altLang="ko-KR" dirty="0"/>
+          </a:p>
+          <a:p>
+            <a:pPr marL="0" lvl="0" indent="0" algn="l" rtl="0">
+              <a:spcBef>
+                <a:spcPts val="0"/>
+              </a:spcBef>
+              <a:spcAft>
+                <a:spcPts val="0"/>
+              </a:spcAft>
+              <a:buNone/>
+            </a:pPr>
+            <a:endParaRPr lang="en-US" altLang="ko-KR" dirty="0"/>
+          </a:p>
+          <a:p>
+            <a:pPr marL="0" lvl="0" indent="0" algn="l" rtl="0">
+              <a:spcBef>
+                <a:spcPts val="0"/>
+              </a:spcBef>
+              <a:spcAft>
+                <a:spcPts val="0"/>
+              </a:spcAft>
+              <a:buNone/>
+            </a:pPr>
+            <a:r>
+              <a:rPr lang="ko-KR" altLang="en-US" dirty="0"/>
               <a:t>요즘 유행하는 비동기 서비스를 간략히 소개하고</a:t>
             </a:r>
             <a:r>
@@ -1707,7 +1841,7 @@
             </a:pPr>
             <a:r>
               <a:rPr lang="ko-KR" altLang="en-US" dirty="0"/>
-              <a:t>그리고 부하 테스트를 통해 직접 성능차이를 눈으로 확인해 보겠습니다</a:t>
+              <a:t>그리고 부하 테스트를 통해 둘 간의 성능차이를 눈으로 직접 확인해 보겠습니다</a:t>
             </a:r>
             <a:r>
               <a:rPr lang="en-US" altLang="ko-KR" dirty="0"/>
@@ -1956,7 +2090,7 @@
             </a:r>
             <a:r>
               <a:rPr lang="ko-KR" altLang="en-US" dirty="0"/>
-              <a:t>난이도 높기로 유명한 결제 서비스를 함께 디자인 해보고 개인 </a:t>
+              <a:t>난이도 높기로 유명한 결제 서비스를 함께 디자인 해보고 로컬 </a:t>
             </a:r>
             <a:r>
               <a:rPr lang="en-US" altLang="ko-KR" dirty="0"/>
@@ -1964,7 +2098,7 @@
             </a:r>
             <a:r>
               <a:rPr lang="ko-KR" altLang="en-US" dirty="0"/>
-              <a:t>에서 할 수 있는 최대한의 구현을 진행해 볼 예정입니다</a:t>
+              <a:t>에서 할 수 있는 최대한의 구현을 진행해 보겠습니다</a:t>
             </a:r>
             <a:r>
               <a:rPr lang="en-US" altLang="ko-KR" dirty="0"/>
@@ -1983,12 +2117,9 @@
             </a:pPr>
             <a:r>
               <a:rPr lang="ko-KR" altLang="en-US" dirty="0"/>
-              <a:t>도메인 지식에 집중하기보다는 관련 도메인에서 고민해왔던 이슈와 그 해결방안을 공유드릴 예정입니다</a:t>
-            </a:r>
-            <a:r>
-              <a:rPr lang="en-US" altLang="ko-KR" dirty="0"/>
-              <a:t>.</a:t>
-            </a:r>
+              <a:t>도메인 지식에 집중하기보다는 관련 도메인에서 고민해왔던 이슈와 그 해결방안을 공유드릴 예정이고요</a:t>
+            </a:r>
+            <a:endParaRPr lang="en-US" altLang="ko-KR" dirty="0"/>
           </a:p>
           <a:p>
             <a:pPr marL="0" lvl="0" indent="0" algn="l" rtl="0">
@@ -2002,7 +2133,7 @@
             </a:pPr>
             <a:r>
               <a:rPr lang="ko-KR" altLang="en-US" dirty="0"/>
-              <a:t>이를 통해 현재 근무하시는 곳에서 문제 해결에 영감을 드릴 수 있었으면 하는 </a:t>
+              <a:t>이를 통해 현재 근무하시는 곳에서의 문제 해결에 영감을 드릴 수 있었으면 하는 </a:t>
             </a:r>
             <a:r>
               <a:rPr lang="ko-KR" altLang="en-US" dirty="0" err="1"/>
@@ -2072,7 +2203,7 @@
             </a:r>
             <a:r>
               <a:rPr lang="ko-KR" altLang="en-US" dirty="0"/>
-              <a:t>라이프 사이클도 체험해 보는 시간을 갖겠습니다</a:t>
+              <a:t>라이프 사이클도 체험해 보겠습니다</a:t>
             </a:r>
             <a:r>
               <a:rPr lang="en-US" altLang="ko-KR" dirty="0"/>
@@ -2111,7 +2242,7 @@
             </a:r>
             <a:r>
               <a:rPr lang="ko-KR" altLang="en-US" dirty="0"/>
-              <a:t>다른 선택지는 없었는지 진지하게 고민해 보도록 하겠습니다</a:t>
+              <a:t>다른 선택지는 없었는지를 진지하게 고민해 보도록 하겠습니다</a:t>
             </a:r>
             <a:r>
               <a:rPr lang="en-US" altLang="ko-KR" dirty="0"/>
@@ -2756,69 +2887,6 @@
               <a:buSzPts val="1400"/>
               <a:buNone/>
             </a:pPr>
-            <a:r>
-              <a:rPr lang="en-US" dirty="0"/>
-              <a:t>Docker</a:t>
-            </a:r>
-            <a:r>
-              <a:rPr lang="ko-KR" altLang="en-US" dirty="0"/>
-              <a:t>는 설치와 함께 </a:t>
-            </a:r>
-            <a:r>
-              <a:rPr lang="en-US" altLang="ko-KR" dirty="0"/>
-              <a:t>docker hub </a:t>
-            </a:r>
-            <a:r>
-              <a:rPr lang="ko-KR" altLang="en-US" dirty="0"/>
-              <a:t>가입도 </a:t>
-            </a:r>
-            <a:r>
-              <a:rPr lang="ko-KR" altLang="en-US" dirty="0" err="1"/>
-              <a:t>해주셔야</a:t>
-            </a:r>
-            <a:r>
-              <a:rPr lang="en-US" altLang="ko-KR" dirty="0"/>
-              <a:t>,</a:t>
-            </a:r>
-            <a:r>
-              <a:rPr lang="ko-KR" altLang="en-US" dirty="0"/>
-              <a:t> 실습에 필요한 서버 이미지들을 자동으로 </a:t>
-            </a:r>
-            <a:r>
-              <a:rPr lang="ko-KR" altLang="en-US" dirty="0" err="1"/>
-              <a:t>내려받아</a:t>
-            </a:r>
-            <a:r>
-              <a:rPr lang="ko-KR" altLang="en-US" dirty="0"/>
-              <a:t> </a:t>
-            </a:r>
-            <a:r>
-              <a:rPr lang="ko-KR" altLang="en-US" dirty="0" err="1"/>
-              <a:t>구동시킬</a:t>
-            </a:r>
-            <a:r>
-              <a:rPr lang="ko-KR" altLang="en-US" dirty="0"/>
-              <a:t> 수 있습니다</a:t>
-            </a:r>
-            <a:r>
-              <a:rPr lang="en-US" altLang="ko-KR" dirty="0"/>
-              <a:t>.</a:t>
-            </a:r>
-          </a:p>
-          <a:p>
-            <a:pPr marL="0" lvl="0" indent="0" algn="l" rtl="0">
-              <a:lnSpc>
-                <a:spcPct val="100000"/>
-              </a:lnSpc>
-              <a:spcBef>
-                <a:spcPts val="0"/>
-              </a:spcBef>
-              <a:spcAft>
-                <a:spcPts val="0"/>
-              </a:spcAft>
-              <a:buSzPts val="1400"/>
-              <a:buNone/>
-            </a:pPr>
             <a:endParaRPr lang="en-US" dirty="0"/>
           </a:p>
           <a:p>
@@ -3049,12 +3117,8 @@
               <a:buNone/>
             </a:pPr>
             <a:r>
-              <a:rPr lang="ko-KR" altLang="en-US"/>
-              <a:t>이번 </a:t>
-            </a:r>
-            <a:r>
               <a:rPr lang="ko-KR" altLang="en-US" dirty="0"/>
-              <a:t>기회에 한 번 사용해 보기로 하시죠</a:t>
+              <a:t>이번 기회에 한 번 사용해 보기로 하시죠</a:t>
             </a:r>
             <a:r>
               <a:rPr lang="en-US" altLang="ko-KR" dirty="0"/>
@@ -3230,6 +3294,38 @@
               <a:buSzPts val="1400"/>
               <a:buNone/>
             </a:pPr>
+            <a:endParaRPr lang="en-US" dirty="0"/>
+          </a:p>
+          <a:p>
+            <a:pPr marL="0" lvl="0" indent="0" algn="l" rtl="0">
+              <a:lnSpc>
+                <a:spcPct val="100000"/>
+              </a:lnSpc>
+              <a:spcBef>
+                <a:spcPts val="0"/>
+              </a:spcBef>
+              <a:spcAft>
+                <a:spcPts val="0"/>
+              </a:spcAft>
+              <a:buSzPts val="1400"/>
+              <a:buNone/>
+            </a:pPr>
+            <a:r>
+              <a:rPr lang="ko-KR" altLang="en-US" dirty="0"/>
+              <a:t>이상 강의소개 마치도록 하겠습니다</a:t>
+            </a:r>
+            <a:r>
+              <a:rPr lang="en-US" altLang="ko-KR" dirty="0"/>
+              <a:t>. </a:t>
+            </a:r>
+            <a:r>
+              <a:rPr lang="ko-KR" altLang="en-US" dirty="0"/>
+              <a:t>감사합니다</a:t>
+            </a:r>
+            <a:r>
+              <a:rPr lang="en-US" altLang="ko-KR"/>
+              <a:t>.</a:t>
+            </a:r>
             <a:endParaRPr dirty="0"/>
           </a:p>
         </p:txBody>
@@ -21889,7 +21985,7 @@
               <a:buNone/>
             </a:pPr>
             <a:r>
-              <a:rPr lang="ko-KR" altLang="en-US" sz="2700" b="1" dirty="0" err="1">
+              <a:rPr lang="ko-KR" altLang="en-US" sz="2700" b="1" dirty="0">
                 <a:solidFill>
                   <a:schemeClr val="dk1"/>
                 </a:solidFill>
@@ -21897,42 +21993,9 @@
                   <a:schemeClr val="lt1"/>
                 </a:highlight>
               </a:rPr>
-              <a:t>초격차</a:t>
-            </a:r>
-            <a:r>
-              <a:rPr lang="ko-KR" altLang="en-US" sz="2700" b="1" dirty="0">
-                <a:solidFill>
-                  <a:schemeClr val="dk1"/>
-                </a:solidFill>
-                <a:highlight>
-                  <a:schemeClr val="lt1"/>
-                </a:highlight>
-              </a:rPr>
-              <a:t> 패키지 </a:t>
-            </a:r>
-            <a:r>
-              <a:rPr lang="en-US" altLang="ko-KR" sz="2700" b="1" dirty="0" err="1">
-                <a:solidFill>
-                  <a:schemeClr val="dk1"/>
-                </a:solidFill>
-                <a:highlight>
-                  <a:schemeClr val="lt1"/>
-                </a:highlight>
-              </a:rPr>
-              <a:t>Webflux</a:t>
-            </a:r>
-            <a:r>
-              <a:rPr lang="ko" sz="2700" b="1" dirty="0">
-                <a:solidFill>
-                  <a:schemeClr val="dk1"/>
-                </a:solidFill>
-                <a:highlight>
-                  <a:schemeClr val="lt1"/>
-                </a:highlight>
-              </a:rPr>
-              <a:t> </a:t>
-            </a:r>
-            <a:endParaRPr sz="2700" b="1" dirty="0">
+              <a:t>비동기 기반 결제서비스</a:t>
+            </a:r>
+            <a:endParaRPr lang="en-US" altLang="ko-KR" sz="2700" b="1" dirty="0">
               <a:solidFill>
                 <a:schemeClr val="dk1"/>
               </a:solidFill>
@@ -21957,7 +22020,7 @@
               <a:buNone/>
             </a:pPr>
             <a:r>
-              <a:rPr lang="ko" sz="2700" b="1" dirty="0">
+              <a:rPr lang="ko-KR" altLang="en-US" sz="2700" b="1" dirty="0">
                 <a:solidFill>
                   <a:schemeClr val="dk1"/>
                 </a:solidFill>
@@ -21965,8 +22028,43 @@
                   <a:schemeClr val="lt1"/>
                 </a:highlight>
               </a:rPr>
-              <a:t>강의를 진행하는 </a:t>
-            </a:r>
+              <a:t>프로젝트를 </a:t>
+            </a:r>
+            <a:r>
+              <a:rPr lang="ko" sz="2700" b="1" dirty="0">
+                <a:solidFill>
+                  <a:schemeClr val="dk1"/>
+                </a:solidFill>
+                <a:highlight>
+                  <a:schemeClr val="lt1"/>
+                </a:highlight>
+              </a:rPr>
+              <a:t>진행하는</a:t>
+            </a:r>
+            <a:endParaRPr lang="en-US" altLang="ko" sz="2700" b="1" dirty="0">
+              <a:solidFill>
+                <a:schemeClr val="dk1"/>
+              </a:solidFill>
+              <a:highlight>
+                <a:schemeClr val="lt1"/>
+              </a:highlight>
+            </a:endParaRPr>
+          </a:p>
+          <a:p>
+            <a:pPr marL="0" lvl="0" indent="0" algn="l" rtl="0">
+              <a:spcBef>
+                <a:spcPts val="0"/>
+              </a:spcBef>
+              <a:spcAft>
+                <a:spcPts val="0"/>
+              </a:spcAft>
+              <a:buClr>
+                <a:schemeClr val="dk1"/>
+              </a:buClr>
+              <a:buSzPts val="2800"/>
+              <a:buFont typeface="Arial"/>
+              <a:buNone/>
+            </a:pPr>
             <a:r>
               <a:rPr lang="ko-KR" altLang="en-US" sz="2700" b="1" dirty="0">
                 <a:solidFill>
@@ -27186,10 +27284,10 @@
       </p:sp>
       <p:pic>
         <p:nvPicPr>
-          <p:cNvPr id="3" name="그림 2">
+          <p:cNvPr id="6" name="그림 5">
             <a:extLst>
               <a:ext uri="{FF2B5EF4-FFF2-40B4-BE49-F238E27FC236}">
-                <a16:creationId xmlns:a16="http://schemas.microsoft.com/office/drawing/2014/main" id="{53DFAFD9-A600-1EC1-73F0-74B202055EBB}"/>
+                <a16:creationId xmlns:a16="http://schemas.microsoft.com/office/drawing/2014/main" id="{8EEDFEF8-EEBA-55FC-8EE6-989E36506446}"/>
               </a:ext>
             </a:extLst>
           </p:cNvPr>
@@ -27198,15 +27296,16 @@
           </p:cNvPicPr>
           <p:nvPr/>
         </p:nvPicPr>
-        <p:blipFill rotWithShape="1">
+        <p:blipFill>
           <a:blip r:embed="rId5"/>
-          <a:srcRect b="3854"/>
-          <a:stretch/>
+          <a:stretch>
+            <a:fillRect/>
+          </a:stretch>
         </p:blipFill>
         <p:spPr>
           <a:xfrm>
-            <a:off x="1252014" y="1583407"/>
-            <a:ext cx="6764030" cy="3548664"/>
+            <a:off x="899356" y="1656677"/>
+            <a:ext cx="6306877" cy="3399689"/>
           </a:xfrm>
           <a:prstGeom prst="rect">
             <a:avLst/>
@@ -28909,44 +29008,6 @@
               </a:solidFill>
             </a:endParaRPr>
           </a:p>
-          <a:p>
-            <a:pPr marL="0" marR="0" lvl="0" indent="0" algn="l" rtl="0">
-              <a:lnSpc>
-                <a:spcPct val="100000"/>
-              </a:lnSpc>
-              <a:spcBef>
-                <a:spcPts val="0"/>
-              </a:spcBef>
-              <a:spcAft>
-                <a:spcPts val="0"/>
-              </a:spcAft>
-              <a:buClr>
-                <a:srgbClr val="000000"/>
-              </a:buClr>
-              <a:buSzPts val="1700"/>
-              <a:buFont typeface="Arial"/>
-              <a:buNone/>
-            </a:pPr>
-            <a:r>
-              <a:rPr lang="en-US" dirty="0">
-                <a:solidFill>
-                  <a:srgbClr val="53585F"/>
-                </a:solidFill>
-              </a:rPr>
-              <a:t>    ** GIT        </a:t>
-            </a:r>
-            <a:endParaRPr lang="en-US" altLang="ko-KR" sz="1100" dirty="0"/>
-          </a:p>
-          <a:p>
-            <a:pPr marL="457200" lvl="1"/>
-            <a:r>
-              <a:rPr lang="en-US" altLang="ko-KR" dirty="0">
-                <a:hlinkClick r:id="rId5"/>
-              </a:rPr>
-              <a:t>https://git-scm.com/downloads</a:t>
-            </a:r>
-            <a:endParaRPr lang="en-US" altLang="ko-KR" dirty="0"/>
-          </a:p>
         </p:txBody>
       </p:sp>
       <p:sp>
@@ -29073,56 +29134,6 @@
               <a:ea typeface="Calibri"/>
               <a:cs typeface="Calibri"/>
               <a:sym typeface="Calibri"/>
-            </a:endParaRPr>
-          </a:p>
-        </p:txBody>
-      </p:sp>
-      <p:sp>
-        <p:nvSpPr>
-          <p:cNvPr id="208" name="Google Shape;208;p30"/>
-          <p:cNvSpPr/>
-          <p:nvPr/>
-        </p:nvSpPr>
-        <p:spPr>
-          <a:xfrm>
-            <a:off x="2222448" y="546497"/>
-            <a:ext cx="5572500" cy="153900"/>
-          </a:xfrm>
-          <a:prstGeom prst="rect">
-            <a:avLst/>
-          </a:prstGeom>
-          <a:noFill/>
-          <a:ln>
-            <a:noFill/>
-          </a:ln>
-        </p:spPr>
-        <p:txBody>
-          <a:bodyPr spcFirstLastPara="1" wrap="square" lIns="4775" tIns="4775" rIns="4775" bIns="4775" anchor="t" anchorCtr="0">
-            <a:noAutofit/>
-          </a:bodyPr>
-          <a:lstStyle/>
-          <a:p>
-            <a:pPr marL="0" marR="0" lvl="0" indent="0" algn="l" rtl="0">
-              <a:spcBef>
-                <a:spcPts val="0"/>
-              </a:spcBef>
-              <a:spcAft>
-                <a:spcPts val="0"/>
-              </a:spcAft>
-              <a:buNone/>
-            </a:pPr>
-            <a:r>
-              <a:rPr lang="ko" sz="900" b="1">
-                <a:solidFill>
-                  <a:schemeClr val="dk1"/>
-                </a:solidFill>
-              </a:rPr>
-              <a:t>실습 환경 소개</a:t>
-            </a:r>
-            <a:endParaRPr sz="900" b="1">
-              <a:solidFill>
-                <a:schemeClr val="dk1"/>
-              </a:solidFill>
             </a:endParaRPr>
           </a:p>
         </p:txBody>

--- a/99.ppt/[Ch4-1. 비동기 서비스 소개] 1-1. 강의개요.pptx
+++ b/99.ppt/[Ch4-1. 비동기 서비스 소개] 1-1. 강의개요.pptx
@@ -369,7 +369,7 @@
           <a:p>
             <a:fld id="{02062485-01EF-40A2-BB59-4561F75F4520}" type="datetimeFigureOut">
               <a:rPr lang="ko-KR" altLang="en-US" smtClean="0"/>
-              <a:t>2023-08-10</a:t>
+              <a:t>2023-08-12</a:t>
             </a:fld>
             <a:endParaRPr lang="ko-KR" altLang="en-US"/>
           </a:p>
@@ -2944,6 +2944,14 @@
             </a:r>
             <a:r>
               <a:rPr lang="ko-KR" altLang="en-US" dirty="0"/>
+              <a:t>을 사용할 예정인데</a:t>
+            </a:r>
+            <a:r>
+              <a:rPr lang="en-US" altLang="ko-KR" dirty="0"/>
+              <a:t>, 17</a:t>
+            </a:r>
+            <a:r>
+              <a:rPr lang="ko-KR" altLang="en-US" dirty="0"/>
               <a:t>은 </a:t>
             </a:r>
             <a:r>
@@ -2960,12 +2968,31 @@
             </a:r>
             <a:r>
               <a:rPr lang="ko-KR" altLang="en-US" dirty="0"/>
-              <a:t>라고 하실 분도 </a:t>
+              <a:t>라고 말씀하실 분도 </a:t>
             </a:r>
             <a:r>
               <a:rPr lang="ko-KR" altLang="en-US" dirty="0" err="1"/>
-              <a:t>있으실텐데</a:t>
-            </a:r>
+              <a:t>있으실거에요</a:t>
+            </a:r>
+            <a:r>
+              <a:rPr lang="en-US" altLang="ko-KR" dirty="0"/>
+              <a:t>.</a:t>
+            </a:r>
+          </a:p>
+          <a:p>
+            <a:pPr marL="0" lvl="0" indent="0" algn="l" rtl="0">
+              <a:lnSpc>
+                <a:spcPct val="100000"/>
+              </a:lnSpc>
+              <a:spcBef>
+                <a:spcPts val="0"/>
+              </a:spcBef>
+              <a:spcAft>
+                <a:spcPts val="0"/>
+              </a:spcAft>
+              <a:buSzPts val="1400"/>
+              <a:buNone/>
+            </a:pPr>
             <a:endParaRPr lang="en-US" altLang="ko-KR" dirty="0"/>
           </a:p>
           <a:p>
@@ -2992,7 +3019,7 @@
             </a:r>
             <a:r>
               <a:rPr lang="ko-KR" altLang="en-US" dirty="0"/>
-              <a:t>은 </a:t>
+              <a:t>부터는 </a:t>
             </a:r>
             <a:r>
               <a:rPr lang="en-US" altLang="ko-KR" dirty="0"/>
@@ -3095,7 +3122,11 @@
             </a:r>
             <a:r>
               <a:rPr lang="ko-KR" altLang="en-US" dirty="0"/>
-              <a:t>밖에 걸리지 않는다는 점이 대단히 매력적입니다</a:t>
+              <a:t>밖에 걸리지 않는다는 점이 대단히 </a:t>
+            </a:r>
+            <a:r>
+              <a:rPr lang="ko-KR" altLang="en-US" dirty="0" err="1"/>
+              <a:t>매력적이어서요</a:t>
             </a:r>
             <a:r>
               <a:rPr lang="en-US" altLang="ko-KR" dirty="0"/>
@@ -3116,6 +3147,46 @@
               <a:buSzPts val="1400"/>
               <a:buNone/>
             </a:pPr>
+            <a:endParaRPr lang="en-US" altLang="ko-KR" dirty="0"/>
+          </a:p>
+          <a:p>
+            <a:pPr marL="0" lvl="0" indent="0" algn="l" rtl="0">
+              <a:lnSpc>
+                <a:spcPct val="100000"/>
+              </a:lnSpc>
+              <a:spcBef>
+                <a:spcPts val="0"/>
+              </a:spcBef>
+              <a:spcAft>
+                <a:spcPts val="0"/>
+              </a:spcAft>
+              <a:buSzPts val="1400"/>
+              <a:buNone/>
+            </a:pPr>
+            <a:r>
+              <a:rPr lang="ko-KR" altLang="en-US" dirty="0"/>
+              <a:t>아직 </a:t>
+            </a:r>
+            <a:r>
+              <a:rPr lang="en-US" altLang="ko-KR" dirty="0"/>
+              <a:t>17</a:t>
+            </a:r>
+            <a:r>
+              <a:rPr lang="ko-KR" altLang="en-US" dirty="0"/>
+              <a:t>을 </a:t>
+            </a:r>
+            <a:r>
+              <a:rPr lang="ko-KR" altLang="en-US" dirty="0" err="1"/>
+              <a:t>접해보시지</a:t>
+            </a:r>
+            <a:r>
+              <a:rPr lang="ko-KR" altLang="en-US" dirty="0"/>
+              <a:t> 않았다면</a:t>
+            </a:r>
+            <a:r>
+              <a:rPr lang="en-US" altLang="ko-KR" dirty="0"/>
+              <a:t>, </a:t>
+            </a:r>
             <a:r>
               <a:rPr lang="ko-KR" altLang="en-US" dirty="0"/>
               <a:t>이번 기회에 한 번 사용해 보기로 하시죠</a:t>
@@ -28427,7 +28498,7 @@
                   <a:srgbClr val="53585F"/>
                 </a:solidFill>
               </a:rPr>
-              <a:t>IntelliJ community edition</a:t>
+              <a:t>IntelliJ ultimate edition</a:t>
             </a:r>
           </a:p>
           <a:p>
